--- a/03-dicts-iterators-comprehensions/programming2_iterable.pptx
+++ b/03-dicts-iterators-comprehensions/programming2_iterable.pptx
@@ -151,6 +151,12 @@
 </p:presentation>
 </file>
 
+<file path=ppt/authors.xml><?xml version="1.0" encoding="utf-8"?>
+<p188:authorLst xmlns:a="http://schemas.openxmlformats.org/drawingml/2006/main" xmlns:r="http://schemas.openxmlformats.org/officeDocument/2006/relationships" xmlns:p188="http://schemas.microsoft.com/office/powerpoint/2018/8/main">
+  <p188:author id="{C03C7B94-458C-7EBE-813B-4A722EE99B92}" name="Frédéric Vogels" initials="FV" userId="32dc27131c13f3d4" providerId="Windows Live"/>
+</p188:authorLst>
+</file>
+
 <file path=ppt/revisionInfo.xml><?xml version="1.0" encoding="utf-8"?>
 <p1510:revInfo xmlns:a="http://schemas.openxmlformats.org/drawingml/2006/main" xmlns:r="http://schemas.openxmlformats.org/officeDocument/2006/relationships" xmlns:p1510="http://schemas.microsoft.com/office/powerpoint/2015/10/main">
   <p1510:revLst>
@@ -159,6 +165,422 @@
     <p1510:client id="{BB2E67BC-ACA6-4D96-8938-912C923802D9}" v="40" dt="2022-09-05T14:21:55.480"/>
   </p1510:revLst>
 </p1510:revInfo>
+</file>
+
+<file path=ppt/comments/modernComment_107_1A27BD0E.xml><?xml version="1.0" encoding="utf-8"?>
+<p188:cmLst xmlns:a="http://schemas.openxmlformats.org/drawingml/2006/main" xmlns:r="http://schemas.openxmlformats.org/officeDocument/2006/relationships" xmlns:p188="http://schemas.microsoft.com/office/powerpoint/2018/8/main">
+  <p188:cm id="{94BADA0E-4B81-43C5-944B-EC3ECF875676}" authorId="{C03C7B94-458C-7EBE-813B-4A722EE99B92}" created="2023-02-01T14:41:01.233">
+    <ac:deMkLst xmlns:ac="http://schemas.microsoft.com/office/drawing/2013/main/command">
+      <pc:docMk xmlns:pc="http://schemas.microsoft.com/office/powerpoint/2013/main/command"/>
+      <pc:sldMk xmlns:pc="http://schemas.microsoft.com/office/powerpoint/2013/main/command" cId="438811918" sldId="263"/>
+      <ac:spMk id="2" creationId="{8F5A620A-A011-4D84-9B3A-2E2A26CB752D}"/>
+    </ac:deMkLst>
+    <p188:txBody>
+      <a:bodyPr/>
+      <a:lstStyle/>
+      <a:p>
+        <a:r>
+          <a:rPr lang="en-US"/>
+          <a:t>Split it up in separate files
+There's no reason to group them together</a:t>
+        </a:r>
+      </a:p>
+    </p188:txBody>
+  </p188:cm>
+</p188:cmLst>
+</file>
+
+<file path=ppt/comments/modernComment_109_B840B789.xml><?xml version="1.0" encoding="utf-8"?>
+<p188:cmLst xmlns:a="http://schemas.openxmlformats.org/drawingml/2006/main" xmlns:r="http://schemas.openxmlformats.org/officeDocument/2006/relationships" xmlns:p188="http://schemas.microsoft.com/office/powerpoint/2018/8/main">
+  <p188:cm id="{4AAD5000-D504-4E62-8764-FF86AB8147BE}" authorId="{C03C7B94-458C-7EBE-813B-4A722EE99B92}" created="2023-02-01T14:07:18.426">
+    <ac:txMkLst xmlns:ac="http://schemas.microsoft.com/office/drawing/2013/main/command">
+      <pc:docMk xmlns:pc="http://schemas.microsoft.com/office/powerpoint/2013/main/command"/>
+      <pc:sldMk xmlns:pc="http://schemas.microsoft.com/office/powerpoint/2013/main/command" cId="3091249033" sldId="265"/>
+      <ac:spMk id="3" creationId="{3FF93CCA-E9DD-47C9-8EE0-1190EA64BA3D}"/>
+      <ac:txMk cp="0" len="35">
+        <ac:context len="36" hash="908642784"/>
+      </ac:txMk>
+    </ac:txMkLst>
+    <p188:pos x="5687590" y="197318"/>
+    <p188:txBody>
+      <a:bodyPr/>
+      <a:lstStyle/>
+      <a:p>
+        <a:r>
+          <a:rPr lang="en-US"/>
+          <a:t>Mention what was actually seen last week</a:t>
+        </a:r>
+      </a:p>
+    </p188:txBody>
+  </p188:cm>
+</p188:cmLst>
+</file>
+
+<file path=ppt/comments/modernComment_124_5F760161.xml><?xml version="1.0" encoding="utf-8"?>
+<p188:cmLst xmlns:a="http://schemas.openxmlformats.org/drawingml/2006/main" xmlns:r="http://schemas.openxmlformats.org/officeDocument/2006/relationships" xmlns:p188="http://schemas.microsoft.com/office/powerpoint/2018/8/main">
+  <p188:cm id="{DDC155D2-5DDD-4632-B9B2-A98C1BE0D2E2}" authorId="{C03C7B94-458C-7EBE-813B-4A722EE99B92}" created="2023-02-01T14:08:31.128">
+    <ac:txMkLst xmlns:ac="http://schemas.microsoft.com/office/drawing/2013/main/command">
+      <pc:docMk xmlns:pc="http://schemas.microsoft.com/office/powerpoint/2013/main/command"/>
+      <pc:sldMk xmlns:pc="http://schemas.microsoft.com/office/powerpoint/2013/main/command" cId="1601569121" sldId="292"/>
+      <ac:spMk id="3" creationId="{3FF93CCA-E9DD-47C9-8EE0-1190EA64BA3D}"/>
+      <ac:txMk cp="228" len="24">
+        <ac:context len="264" hash="801154837"/>
+      </ac:txMk>
+    </ac:txMkLst>
+    <p188:pos x="8930750" y="1993226"/>
+    <p188:txBody>
+      <a:bodyPr/>
+      <a:lstStyle/>
+      <a:p>
+        <a:r>
+          <a:rPr lang="en-US"/>
+          <a:t>Use their actual names (uncapitalized)</a:t>
+        </a:r>
+      </a:p>
+    </p188:txBody>
+  </p188:cm>
+</p188:cmLst>
+</file>
+
+<file path=ppt/comments/modernComment_12E_2CD73221.xml><?xml version="1.0" encoding="utf-8"?>
+<p188:cmLst xmlns:a="http://schemas.openxmlformats.org/drawingml/2006/main" xmlns:r="http://schemas.openxmlformats.org/officeDocument/2006/relationships" xmlns:p188="http://schemas.microsoft.com/office/powerpoint/2018/8/main">
+  <p188:cm id="{AE366FD2-CFDB-4BE0-9E2F-07362F67540D}" authorId="{C03C7B94-458C-7EBE-813B-4A722EE99B92}" created="2023-02-01T14:12:21.155">
+    <ac:txMkLst xmlns:ac="http://schemas.microsoft.com/office/drawing/2013/main/command">
+      <pc:docMk xmlns:pc="http://schemas.microsoft.com/office/powerpoint/2013/main/command"/>
+      <pc:sldMk xmlns:pc="http://schemas.microsoft.com/office/powerpoint/2013/main/command" cId="752300577" sldId="302"/>
+      <ac:spMk id="3" creationId="{3FF93CCA-E9DD-47C9-8EE0-1190EA64BA3D}"/>
+      <ac:txMk cp="40" len="15">
+        <ac:context len="77" hash="3606909786"/>
+      </ac:txMk>
+    </ac:txMkLst>
+    <p188:pos x="8180810" y="197318"/>
+    <p188:txBody>
+      <a:bodyPr/>
+      <a:lstStyle/>
+      <a:p>
+        <a:r>
+          <a:rPr lang="en-US"/>
+          <a:t>Maybe use an example better known to students, like Belgium/Brussels, France/Paris, etc.
+I don't think many of our students know the capitals of US states</a:t>
+        </a:r>
+      </a:p>
+    </p188:txBody>
+  </p188:cm>
+</p188:cmLst>
+</file>
+
+<file path=ppt/comments/modernComment_130_787F3F.xml><?xml version="1.0" encoding="utf-8"?>
+<p188:cmLst xmlns:a="http://schemas.openxmlformats.org/drawingml/2006/main" xmlns:r="http://schemas.openxmlformats.org/officeDocument/2006/relationships" xmlns:p188="http://schemas.microsoft.com/office/powerpoint/2018/8/main">
+  <p188:cm id="{4C719DE1-C81E-4FBB-838D-2CA372D423E4}" authorId="{C03C7B94-458C-7EBE-813B-4A722EE99B92}" created="2023-02-01T14:09:35.399">
+    <ac:txMkLst xmlns:ac="http://schemas.microsoft.com/office/drawing/2013/main/command">
+      <pc:docMk xmlns:pc="http://schemas.microsoft.com/office/powerpoint/2013/main/command"/>
+      <pc:sldMk xmlns:pc="http://schemas.microsoft.com/office/powerpoint/2013/main/command" cId="7896895" sldId="304"/>
+      <ac:spMk id="3" creationId="{3FF93CCA-E9DD-47C9-8EE0-1190EA64BA3D}"/>
+      <ac:txMk cp="64" len="6">
+        <ac:context len="259" hash="2634313585"/>
+      </ac:txMk>
+    </ac:txMkLst>
+    <p188:pos x="1293207" y="585444"/>
+    <p188:txBody>
+      <a:bodyPr/>
+      <a:lstStyle/>
+      <a:p>
+        <a:r>
+          <a:rPr lang="en-US"/>
+          <a:t>numbersss</a:t>
+        </a:r>
+      </a:p>
+    </p188:txBody>
+  </p188:cm>
+</p188:cmLst>
+</file>
+
+<file path=ppt/comments/modernComment_131_50AAE7C6.xml><?xml version="1.0" encoding="utf-8"?>
+<p188:cmLst xmlns:a="http://schemas.openxmlformats.org/drawingml/2006/main" xmlns:r="http://schemas.openxmlformats.org/officeDocument/2006/relationships" xmlns:p188="http://schemas.microsoft.com/office/powerpoint/2018/8/main">
+  <p188:cm id="{C72F8D57-B8F4-4439-9970-5F5866FC2FB0}" authorId="{C03C7B94-458C-7EBE-813B-4A722EE99B92}" created="2023-02-01T14:14:39.512">
+    <ac:txMkLst xmlns:ac="http://schemas.microsoft.com/office/drawing/2013/main/command">
+      <pc:docMk xmlns:pc="http://schemas.microsoft.com/office/powerpoint/2013/main/command"/>
+      <pc:sldMk xmlns:pc="http://schemas.microsoft.com/office/powerpoint/2013/main/command" cId="1353377734" sldId="305"/>
+      <ac:spMk id="3" creationId="{3FF93CCA-E9DD-47C9-8EE0-1190EA64BA3D}"/>
+      <ac:txMk cp="12" len="10">
+        <ac:context len="132" hash="824369777"/>
+      </ac:txMk>
+    </ac:txMkLst>
+    <p188:pos x="3332517" y="197318"/>
+    <p188:txBody>
+      <a:bodyPr/>
+      <a:lstStyle/>
+      <a:p>
+        <a:r>
+          <a:rPr lang="en-US"/>
+          <a:t>typo</a:t>
+        </a:r>
+      </a:p>
+    </p188:txBody>
+  </p188:cm>
+  <p188:cm id="{46C2E162-3CF8-48AC-B37C-630EC03D26FA}" authorId="{C03C7B94-458C-7EBE-813B-4A722EE99B92}" created="2023-02-01T14:16:44.118">
+    <ac:txMkLst xmlns:ac="http://schemas.microsoft.com/office/drawing/2013/main/command">
+      <pc:docMk xmlns:pc="http://schemas.microsoft.com/office/powerpoint/2013/main/command"/>
+      <pc:sldMk xmlns:pc="http://schemas.microsoft.com/office/powerpoint/2013/main/command" cId="1353377734" sldId="305"/>
+      <ac:spMk id="3" creationId="{3FF93CCA-E9DD-47C9-8EE0-1190EA64BA3D}"/>
+      <ac:txMk cp="24" len="68">
+        <ac:context len="132" hash="824369777"/>
+      </ac:txMk>
+    </ac:txMkLst>
+    <p188:pos x="9503072" y="197318"/>
+    <p188:txBody>
+      <a:bodyPr/>
+      <a:lstStyle/>
+      <a:p>
+        <a:r>
+          <a:rPr lang="en-US"/>
+          <a:t>This is really confusing wording
+Also, not all values can be used as keys, e.g. lists are forbidden</a:t>
+        </a:r>
+      </a:p>
+    </p188:txBody>
+  </p188:cm>
+  <p188:cm id="{199045BB-258A-438C-8638-165923672588}" authorId="{C03C7B94-458C-7EBE-813B-4A722EE99B92}" created="2023-02-01T14:17:24.833">
+    <ac:txMkLst xmlns:ac="http://schemas.microsoft.com/office/drawing/2013/main/command">
+      <pc:docMk xmlns:pc="http://schemas.microsoft.com/office/powerpoint/2013/main/command"/>
+      <pc:sldMk xmlns:pc="http://schemas.microsoft.com/office/powerpoint/2013/main/command" cId="1353377734" sldId="305"/>
+      <ac:spMk id="2" creationId="{30AF865A-8181-4DAA-A1EF-5D642527395C}"/>
+      <ac:txMk cp="17" len="2">
+        <ac:context len="26" hash="3124342260"/>
+      </ac:txMk>
+    </ac:txMkLst>
+    <p188:pos x="5444188" y="516383"/>
+    <p188:txBody>
+      <a:bodyPr/>
+      <a:lstStyle/>
+      <a:p>
+        <a:r>
+          <a:rPr lang="en-US"/>
+          <a:t>and</a:t>
+        </a:r>
+      </a:p>
+    </p188:txBody>
+  </p188:cm>
+</p188:cmLst>
+</file>
+
+<file path=ppt/comments/modernComment_133_24736D9E.xml><?xml version="1.0" encoding="utf-8"?>
+<p188:cmLst xmlns:a="http://schemas.openxmlformats.org/drawingml/2006/main" xmlns:r="http://schemas.openxmlformats.org/officeDocument/2006/relationships" xmlns:p188="http://schemas.microsoft.com/office/powerpoint/2018/8/main">
+  <p188:cm id="{A674E0D4-981A-477F-912A-821F40A9B0B9}" authorId="{C03C7B94-458C-7EBE-813B-4A722EE99B92}" created="2023-02-01T14:19:43.018">
+    <ac:txMkLst xmlns:ac="http://schemas.microsoft.com/office/drawing/2013/main/command">
+      <pc:docMk xmlns:pc="http://schemas.microsoft.com/office/powerpoint/2013/main/command"/>
+      <pc:sldMk xmlns:pc="http://schemas.microsoft.com/office/powerpoint/2013/main/command" cId="611544478" sldId="307"/>
+      <ac:spMk id="4" creationId="{7CC1C2F9-1C01-49D4-9F3C-653CF627E3C8}"/>
+      <ac:txMk cp="215" len="8">
+        <ac:context len="278" hash="4000809614"/>
+      </ac:txMk>
+    </ac:txMkLst>
+    <p188:pos x="3525089" y="2555272"/>
+    <p188:txBody>
+      <a:bodyPr/>
+      <a:lstStyle/>
+      <a:p>
+        <a:r>
+          <a:rPr lang="en-US"/>
+          <a:t>Ofcourse -&gt; of course</a:t>
+        </a:r>
+      </a:p>
+    </p188:txBody>
+  </p188:cm>
+  <p188:cm id="{143272F8-C269-47B1-A6E0-A5796888E5D3}" authorId="{C03C7B94-458C-7EBE-813B-4A722EE99B92}" created="2023-02-01T14:20:30.933">
+    <ac:txMkLst xmlns:ac="http://schemas.microsoft.com/office/drawing/2013/main/command">
+      <pc:docMk xmlns:pc="http://schemas.microsoft.com/office/powerpoint/2013/main/command"/>
+      <pc:sldMk xmlns:pc="http://schemas.microsoft.com/office/powerpoint/2013/main/command" cId="611544478" sldId="307"/>
+      <ac:spMk id="4" creationId="{7CC1C2F9-1C01-49D4-9F3C-653CF627E3C8}"/>
+      <ac:txMk cp="204" len="4">
+        <ac:context len="278" hash="4000809614"/>
+      </ac:txMk>
+    </ac:txMkLst>
+    <p188:pos x="1952848" y="2555272"/>
+    <p188:txBody>
+      <a:bodyPr/>
+      <a:lstStyle/>
+      <a:p>
+        <a:r>
+          <a:rPr lang="en-US"/>
+          <a:t>Eh? Where's else?</a:t>
+        </a:r>
+      </a:p>
+    </p188:txBody>
+  </p188:cm>
+  <p188:cm id="{B282FCF4-C8C4-409E-9D34-9789D6AE6DFF}" authorId="{C03C7B94-458C-7EBE-813B-4A722EE99B92}" created="2023-02-01T14:20:40.219">
+    <ac:txMkLst xmlns:ac="http://schemas.microsoft.com/office/drawing/2013/main/command">
+      <pc:docMk xmlns:pc="http://schemas.microsoft.com/office/powerpoint/2013/main/command"/>
+      <pc:sldMk xmlns:pc="http://schemas.microsoft.com/office/powerpoint/2013/main/command" cId="611544478" sldId="307"/>
+      <ac:spMk id="11" creationId="{33430322-B41F-4CAE-B7B2-8B2F33E21A32}"/>
+      <ac:txMk cp="99" len="5">
+        <ac:context len="265" hash="2091736506"/>
+      </ac:txMk>
+    </ac:txMkLst>
+    <p188:pos x="734135" y="1799581"/>
+    <p188:txBody>
+      <a:bodyPr/>
+      <a:lstStyle/>
+      <a:p>
+        <a:r>
+          <a:rPr lang="en-US"/>
+          <a:t>Capitalization</a:t>
+        </a:r>
+      </a:p>
+    </p188:txBody>
+  </p188:cm>
+  <p188:cm id="{091A8D47-1140-417E-930D-4AAD98C338FE}" authorId="{C03C7B94-458C-7EBE-813B-4A722EE99B92}" created="2023-02-01T14:21:22.282">
+    <ac:deMkLst xmlns:ac="http://schemas.microsoft.com/office/drawing/2013/main/command">
+      <pc:docMk xmlns:pc="http://schemas.microsoft.com/office/powerpoint/2013/main/command"/>
+      <pc:sldMk xmlns:pc="http://schemas.microsoft.com/office/powerpoint/2013/main/command" cId="611544478" sldId="307"/>
+      <ac:spMk id="11" creationId="{33430322-B41F-4CAE-B7B2-8B2F33E21A32}"/>
+    </ac:deMkLst>
+    <p188:txBody>
+      <a:bodyPr/>
+      <a:lstStyle/>
+      <a:p>
+        <a:r>
+          <a:rPr lang="en-US"/>
+          <a:t>Draw more attention to items(), it's easily forgotten
+It is also possible to iterate over the dictionary itself, but that yields only keys</a:t>
+        </a:r>
+      </a:p>
+    </p188:txBody>
+  </p188:cm>
+</p188:cmLst>
+</file>
+
+<file path=ppt/comments/modernComment_134_309D8F8C.xml><?xml version="1.0" encoding="utf-8"?>
+<p188:cmLst xmlns:a="http://schemas.openxmlformats.org/drawingml/2006/main" xmlns:r="http://schemas.openxmlformats.org/officeDocument/2006/relationships" xmlns:p188="http://schemas.microsoft.com/office/powerpoint/2018/8/main">
+  <p188:cm id="{562436FC-69E4-412D-B680-4E3B67B6A7A6}" authorId="{C03C7B94-458C-7EBE-813B-4A722EE99B92}" created="2023-02-01T14:24:17.897">
+    <ac:txMkLst xmlns:ac="http://schemas.microsoft.com/office/drawing/2013/main/command">
+      <pc:docMk xmlns:pc="http://schemas.microsoft.com/office/powerpoint/2013/main/command"/>
+      <pc:sldMk xmlns:pc="http://schemas.microsoft.com/office/powerpoint/2013/main/command" cId="815632268" sldId="308"/>
+      <ac:spMk id="2" creationId="{30AF865A-8181-4DAA-A1EF-5D642527395C}"/>
+      <ac:txMk cp="14" len="14">
+        <ac:context len="29" hash="276549361"/>
+      </ac:txMk>
+    </ac:txMkLst>
+    <p188:pos x="7654537" y="516383"/>
+    <p188:txBody>
+      <a:bodyPr/>
+      <a:lstStyle/>
+      <a:p>
+        <a:r>
+          <a:rPr lang="en-US"/>
+          <a:t>list and dict are fundamentally different, it's like 'how to choose between an if and a while'
+Throw out slide
+Comparison between list and set makes sense, but not between list and dict</a:t>
+        </a:r>
+      </a:p>
+    </p188:txBody>
+  </p188:cm>
+</p188:cmLst>
+</file>
+
+<file path=ppt/comments/modernComment_138_28A14115.xml><?xml version="1.0" encoding="utf-8"?>
+<p188:cmLst xmlns:a="http://schemas.openxmlformats.org/drawingml/2006/main" xmlns:r="http://schemas.openxmlformats.org/officeDocument/2006/relationships" xmlns:p188="http://schemas.microsoft.com/office/powerpoint/2018/8/main">
+  <p188:cm id="{90BB7EEF-C3AE-4AC4-A2D5-B936557D4280}" authorId="{C03C7B94-458C-7EBE-813B-4A722EE99B92}" created="2023-02-01T14:29:27.963">
+    <ac:txMkLst xmlns:ac="http://schemas.microsoft.com/office/drawing/2013/main/command">
+      <pc:docMk xmlns:pc="http://schemas.microsoft.com/office/powerpoint/2013/main/command"/>
+      <pc:sldMk xmlns:pc="http://schemas.microsoft.com/office/powerpoint/2013/main/command" cId="681656597" sldId="312"/>
+      <ac:spMk id="5" creationId="{CBED41EA-B0B4-4DD3-BA42-F91435E64DE4}"/>
+      <ac:txMk cp="102" len="4">
+        <ac:context len="197" hash="1703730101"/>
+      </ac:txMk>
+    </ac:txMkLst>
+    <p188:pos x="1635285" y="1069645"/>
+    <p188:txBody>
+      <a:bodyPr/>
+      <a:lstStyle/>
+      <a:p>
+        <a:r>
+          <a:rPr lang="en-US"/>
+          <a:t>Opening can of worms here
+Do you know why list(…) is necessary? This should be explained</a:t>
+        </a:r>
+      </a:p>
+    </p188:txBody>
+  </p188:cm>
+</p188:cmLst>
+</file>
+
+<file path=ppt/comments/modernComment_139_D970B9F0.xml><?xml version="1.0" encoding="utf-8"?>
+<p188:cmLst xmlns:a="http://schemas.openxmlformats.org/drawingml/2006/main" xmlns:r="http://schemas.openxmlformats.org/officeDocument/2006/relationships" xmlns:p188="http://schemas.microsoft.com/office/powerpoint/2018/8/main">
+  <p188:cm id="{196AD65A-D331-414D-8090-33681590D813}" authorId="{C03C7B94-458C-7EBE-813B-4A722EE99B92}" created="2023-02-01T14:30:36.802">
+    <ac:txMkLst xmlns:ac="http://schemas.microsoft.com/office/drawing/2013/main/command">
+      <pc:docMk xmlns:pc="http://schemas.microsoft.com/office/powerpoint/2013/main/command"/>
+      <pc:sldMk xmlns:pc="http://schemas.microsoft.com/office/powerpoint/2013/main/command" cId="3648043504" sldId="313"/>
+      <ac:spMk id="6" creationId="{E9712E0A-F845-4FDC-9545-35166028D1F9}"/>
+      <ac:txMk cp="74" len="87">
+        <ac:context len="163" hash="3972885909"/>
+      </ac:txMk>
+    </ac:txMkLst>
+    <p188:pos x="9561698" y="3174458"/>
+    <p188:txBody>
+      <a:bodyPr/>
+      <a:lstStyle/>
+      <a:p>
+        <a:r>
+          <a:rPr lang="en-US"/>
+          <a:t>This is a trick, not special syntax to unzip
+Explain what * actually does or don't mention it at all</a:t>
+        </a:r>
+      </a:p>
+    </p188:txBody>
+  </p188:cm>
+</p188:cmLst>
+</file>
+
+<file path=ppt/comments/modernComment_13F_57CF5227.xml><?xml version="1.0" encoding="utf-8"?>
+<p188:cmLst xmlns:a="http://schemas.openxmlformats.org/drawingml/2006/main" xmlns:r="http://schemas.openxmlformats.org/officeDocument/2006/relationships" xmlns:p188="http://schemas.microsoft.com/office/powerpoint/2018/8/main">
+  <p188:cm id="{385705EC-328C-498D-9184-88844A45D651}" authorId="{C03C7B94-458C-7EBE-813B-4A722EE99B92}" created="2023-02-01T14:27:58.526">
+    <ac:txMkLst xmlns:ac="http://schemas.microsoft.com/office/drawing/2013/main/command">
+      <pc:docMk xmlns:pc="http://schemas.microsoft.com/office/powerpoint/2013/main/command"/>
+      <pc:sldMk xmlns:pc="http://schemas.microsoft.com/office/powerpoint/2013/main/command" cId="1473204775" sldId="319"/>
+      <ac:spMk id="2" creationId="{30AF865A-8181-4DAA-A1EF-5D642527395C}"/>
+      <ac:txMk cp="0" len="6">
+        <ac:context len="18" hash="3492905078"/>
+      </ac:txMk>
+    </ac:txMkLst>
+    <p188:pos x="2075810" y="2138636"/>
+    <p188:txBody>
+      <a:bodyPr/>
+      <a:lstStyle/>
+      <a:p>
+        <a:r>
+          <a:rPr lang="en-US"/>
+          <a:t>Filter and map are very seldomly used in python, as they can be written as comprehensions, which are far more readable and flexible
+Only zip is actually useful</a:t>
+        </a:r>
+      </a:p>
+    </p188:txBody>
+  </p188:cm>
+</p188:cmLst>
+</file>
+
+<file path=ppt/comments/modernComment_143_151AC308.xml><?xml version="1.0" encoding="utf-8"?>
+<p188:cmLst xmlns:a="http://schemas.openxmlformats.org/drawingml/2006/main" xmlns:r="http://schemas.openxmlformats.org/officeDocument/2006/relationships" xmlns:p188="http://schemas.microsoft.com/office/powerpoint/2018/8/main">
+  <p188:cm id="{B6D4A0F5-22FA-4C41-AC0F-8DE2405B23E6}" authorId="{C03C7B94-458C-7EBE-813B-4A722EE99B92}" created="2023-02-01T14:33:29.953">
+    <pc:sldMkLst xmlns:pc="http://schemas.microsoft.com/office/powerpoint/2013/main/command">
+      <pc:docMk/>
+      <pc:sldMk cId="354075400" sldId="323"/>
+    </pc:sldMkLst>
+    <p188:txBody>
+      <a:bodyPr/>
+      <a:lstStyle/>
+      <a:p>
+        <a:r>
+          <a:rPr lang="en-US"/>
+          <a:t>This is a needlessly convoluted example to illustrate enumerate
+Simply show the results enumerate( ["a", "b", "c"] ) to start with.
+Then more elaborate examples, but mention what the goal of the algorithm is instead of just dumping code on them.
+If they don't know what code is supposed to do, they can't try to deduce what each part of the code does.</a:t>
+        </a:r>
+      </a:p>
+    </p188:txBody>
+  </p188:cm>
+</p188:cmLst>
 </file>
 
 <file path=ppt/notesMasters/notesMaster1.xml><?xml version="1.0" encoding="utf-8"?>
@@ -243,7 +665,7 @@
           <a:p>
             <a:fld id="{E2A76BDB-6153-47CC-BA45-D51AE7AEEC4D}" type="datetimeFigureOut">
               <a:rPr lang="en-US" smtClean="0"/>
-              <a:t>2/1/2023</a:t>
+              <a:t>01-Feb-23</a:t>
             </a:fld>
             <a:endParaRPr lang="en-US"/>
           </a:p>
@@ -8353,7 +8775,7 @@
           <a:lstStyle/>
           <a:p>
             <a:r>
-              <a:rPr lang="nl-BE"/>
+              <a:rPr lang="nl-BE" dirty="0"/>
               <a:t>Programming 2</a:t>
             </a:r>
           </a:p>
@@ -8510,6 +8932,11 @@
   <p:clrMapOvr>
     <a:masterClrMapping/>
   </p:clrMapOvr>
+  <p:extLst>
+    <p:ext uri="{6950BFC3-D8DA-4A85-94F7-54DA5524770B}">
+      <p188:commentRel xmlns:p188="http://schemas.microsoft.com/office/powerpoint/2018/8/main" r:id="rId2"/>
+    </p:ext>
+  </p:extLst>
 </p:sld>
 </file>
 
@@ -9529,6 +9956,11 @@
   <p:clrMapOvr>
     <a:masterClrMapping/>
   </p:clrMapOvr>
+  <p:extLst>
+    <p:ext uri="{6950BFC3-D8DA-4A85-94F7-54DA5524770B}">
+      <p188:commentRel xmlns:p188="http://schemas.microsoft.com/office/powerpoint/2018/8/main" r:id="rId3"/>
+    </p:ext>
+  </p:extLst>
 </p:sld>
 </file>
 
@@ -9821,7 +10253,7 @@
           </a:ln>
           <a:extLst>
             <a:ext uri="{C572A759-6A51-4108-AA02-DFA0A04FC94B}">
-              <ma14:wrappingTextBoxFlag xmlns:ma14="http://schemas.microsoft.com/office/mac/drawingml/2011/main" xmlns="" val="1"/>
+              <ma14:wrappingTextBoxFlag xmlns="" xmlns:ma14="http://schemas.microsoft.com/office/mac/drawingml/2011/main" val="1"/>
             </a:ext>
           </a:extLst>
         </p:spPr>
@@ -10511,7 +10943,7 @@
           </a:ln>
           <a:extLst>
             <a:ext uri="{C572A759-6A51-4108-AA02-DFA0A04FC94B}">
-              <ma14:wrappingTextBoxFlag xmlns:ma14="http://schemas.microsoft.com/office/mac/drawingml/2011/main" xmlns="" val="1"/>
+              <ma14:wrappingTextBoxFlag xmlns="" xmlns:ma14="http://schemas.microsoft.com/office/mac/drawingml/2011/main" val="1"/>
             </a:ext>
           </a:extLst>
         </p:spPr>
@@ -10857,7 +11289,7 @@
           </a:ln>
           <a:extLst>
             <a:ext uri="{C572A759-6A51-4108-AA02-DFA0A04FC94B}">
-              <ma14:wrappingTextBoxFlag xmlns:ma14="http://schemas.microsoft.com/office/mac/drawingml/2011/main" xmlns="" val="1"/>
+              <ma14:wrappingTextBoxFlag xmlns="" xmlns:ma14="http://schemas.microsoft.com/office/mac/drawingml/2011/main" val="1"/>
             </a:ext>
           </a:extLst>
         </p:spPr>
@@ -11518,7 +11950,7 @@
           </a:ln>
           <a:extLst>
             <a:ext uri="{C572A759-6A51-4108-AA02-DFA0A04FC94B}">
-              <ma14:wrappingTextBoxFlag xmlns:ma14="http://schemas.microsoft.com/office/mac/drawingml/2011/main" xmlns="" val="1"/>
+              <ma14:wrappingTextBoxFlag xmlns="" xmlns:ma14="http://schemas.microsoft.com/office/mac/drawingml/2011/main" val="1"/>
             </a:ext>
           </a:extLst>
         </p:spPr>
@@ -12379,7 +12811,7 @@
           </a:ln>
           <a:extLst>
             <a:ext uri="{C572A759-6A51-4108-AA02-DFA0A04FC94B}">
-              <ma14:wrappingTextBoxFlag xmlns:ma14="http://schemas.microsoft.com/office/mac/drawingml/2011/main" xmlns="" val="1"/>
+              <ma14:wrappingTextBoxFlag xmlns="" xmlns:ma14="http://schemas.microsoft.com/office/mac/drawingml/2011/main" val="1"/>
             </a:ext>
           </a:extLst>
         </p:spPr>
@@ -13189,7 +13621,7 @@
           </a:ln>
           <a:extLst>
             <a:ext uri="{C572A759-6A51-4108-AA02-DFA0A04FC94B}">
-              <ma14:wrappingTextBoxFlag xmlns:ma14="http://schemas.microsoft.com/office/mac/drawingml/2011/main" xmlns="" val="1"/>
+              <ma14:wrappingTextBoxFlag xmlns="" xmlns:ma14="http://schemas.microsoft.com/office/mac/drawingml/2011/main" val="1"/>
             </a:ext>
           </a:extLst>
         </p:spPr>
@@ -13527,7 +13959,7 @@
           </a:ln>
           <a:extLst>
             <a:ext uri="{C572A759-6A51-4108-AA02-DFA0A04FC94B}">
-              <ma14:wrappingTextBoxFlag xmlns:ma14="http://schemas.microsoft.com/office/mac/drawingml/2011/main" xmlns="" val="1"/>
+              <ma14:wrappingTextBoxFlag xmlns="" xmlns:ma14="http://schemas.microsoft.com/office/mac/drawingml/2011/main" val="1"/>
             </a:ext>
           </a:extLst>
         </p:spPr>
@@ -14302,7 +14734,7 @@
           </a:ln>
           <a:extLst>
             <a:ext uri="{C572A759-6A51-4108-AA02-DFA0A04FC94B}">
-              <ma14:wrappingTextBoxFlag xmlns:ma14="http://schemas.microsoft.com/office/mac/drawingml/2011/main" xmlns="" val="1"/>
+              <ma14:wrappingTextBoxFlag xmlns="" xmlns:ma14="http://schemas.microsoft.com/office/mac/drawingml/2011/main" val="1"/>
             </a:ext>
           </a:extLst>
         </p:spPr>
@@ -14633,6 +15065,11 @@
   <p:clrMapOvr>
     <a:masterClrMapping/>
   </p:clrMapOvr>
+  <p:extLst>
+    <p:ext uri="{6950BFC3-D8DA-4A85-94F7-54DA5524770B}">
+      <p188:commentRel xmlns:p188="http://schemas.microsoft.com/office/powerpoint/2018/8/main" r:id="rId3"/>
+    </p:ext>
+  </p:extLst>
 </p:sld>
 </file>
 
@@ -15905,7 +16342,7 @@
           </a:lstStyle>
           <a:p>
             <a:r>
-              <a:rPr lang="nl-BE" sz="2400" err="1"/>
+              <a:rPr lang="nl-BE" sz="2400" dirty="0" err="1"/>
               <a:t>Use</a:t>
             </a:r>
             <a:r>
@@ -15921,7 +16358,7 @@
               <a:t> </a:t>
             </a:r>
             <a:r>
-              <a:rPr lang="nl-BE" sz="2400" err="1"/>
+              <a:rPr lang="nl-BE" sz="2400" dirty="0" err="1"/>
               <a:t>when</a:t>
             </a:r>
             <a:r>
@@ -15929,7 +16366,7 @@
               <a:t> </a:t>
             </a:r>
             <a:r>
-              <a:rPr lang="nl-BE" sz="2400" err="1"/>
+              <a:rPr lang="nl-BE" sz="2400" dirty="0" err="1"/>
               <a:t>the</a:t>
             </a:r>
             <a:r>
@@ -15937,7 +16374,7 @@
               <a:t> </a:t>
             </a:r>
             <a:r>
-              <a:rPr lang="nl-BE" sz="2400" err="1"/>
+              <a:rPr lang="nl-BE" sz="2400" dirty="0" err="1"/>
               <a:t>following</a:t>
             </a:r>
             <a:r>
@@ -15945,7 +16382,7 @@
               <a:t> are </a:t>
             </a:r>
             <a:r>
-              <a:rPr lang="nl-BE" sz="2400" err="1"/>
+              <a:rPr lang="nl-BE" sz="2400" dirty="0" err="1"/>
               <a:t>true</a:t>
             </a:r>
             <a:r>
@@ -15960,7 +16397,7 @@
               <a:t>The data has a </a:t>
             </a:r>
             <a:r>
-              <a:rPr lang="nl-BE" sz="2000" err="1"/>
+              <a:rPr lang="nl-BE" sz="2000" dirty="0" err="1"/>
               <a:t>natural</a:t>
             </a:r>
             <a:r>
@@ -16025,7 +16462,7 @@
           </a:p>
           <a:p>
             <a:r>
-              <a:rPr lang="nl-BE" sz="2400" err="1"/>
+              <a:rPr lang="nl-BE" sz="2400" dirty="0" err="1"/>
               <a:t>Use</a:t>
             </a:r>
             <a:r>
@@ -16033,7 +16470,7 @@
               <a:t> a </a:t>
             </a:r>
             <a:r>
-              <a:rPr lang="nl-BE" sz="2400" b="1" err="1"/>
+              <a:rPr lang="nl-BE" sz="2400" b="1" dirty="0" err="1"/>
               <a:t>dictionary</a:t>
             </a:r>
             <a:r>
@@ -16041,7 +16478,7 @@
               <a:t> </a:t>
             </a:r>
             <a:r>
-              <a:rPr lang="nl-BE" sz="2400" err="1"/>
+              <a:rPr lang="nl-BE" sz="2400" dirty="0" err="1"/>
               <a:t>when</a:t>
             </a:r>
             <a:r>
@@ -16049,7 +16486,7 @@
               <a:t> </a:t>
             </a:r>
             <a:r>
-              <a:rPr lang="nl-BE" sz="2400" err="1"/>
+              <a:rPr lang="nl-BE" sz="2400" dirty="0" err="1"/>
               <a:t>the</a:t>
             </a:r>
             <a:r>
@@ -16057,7 +16494,7 @@
               <a:t> </a:t>
             </a:r>
             <a:r>
-              <a:rPr lang="nl-BE" sz="2400" err="1"/>
+              <a:rPr lang="nl-BE" sz="2400" dirty="0" err="1"/>
               <a:t>following</a:t>
             </a:r>
             <a:r>
@@ -16065,7 +16502,7 @@
               <a:t> are </a:t>
             </a:r>
             <a:r>
-              <a:rPr lang="nl-BE" sz="2400" err="1"/>
+              <a:rPr lang="nl-BE" sz="2400" dirty="0" err="1"/>
               <a:t>true</a:t>
             </a:r>
             <a:r>
@@ -16083,7 +16520,7 @@
               <a:t>The data is </a:t>
             </a:r>
             <a:r>
-              <a:rPr lang="nl-BE" sz="2000" err="1"/>
+              <a:rPr lang="nl-BE" sz="2000" dirty="0" err="1"/>
               <a:t>unordered</a:t>
             </a:r>
             <a:r>
@@ -16091,7 +16528,7 @@
               <a:t>, or </a:t>
             </a:r>
             <a:r>
-              <a:rPr lang="nl-BE" sz="2000" err="1"/>
+              <a:rPr lang="nl-BE" sz="2000" dirty="0" err="1"/>
               <a:t>the</a:t>
             </a:r>
             <a:r>
@@ -16099,7 +16536,7 @@
               <a:t> order does </a:t>
             </a:r>
             <a:r>
-              <a:rPr lang="nl-BE" sz="2000" err="1"/>
+              <a:rPr lang="nl-BE" sz="2000" dirty="0" err="1"/>
               <a:t>not</a:t>
             </a:r>
             <a:r>
@@ -16113,7 +16550,7 @@
           <a:p>
             <a:pPr lvl="1"/>
             <a:r>
-              <a:rPr lang="nl-BE" sz="2000" err="1"/>
+              <a:rPr lang="nl-BE" sz="2000" dirty="0" err="1"/>
               <a:t>You</a:t>
             </a:r>
             <a:r>
@@ -16121,7 +16558,7 @@
               <a:t> </a:t>
             </a:r>
             <a:r>
-              <a:rPr lang="nl-BE" sz="2000" err="1"/>
+              <a:rPr lang="nl-BE" sz="2000" dirty="0" err="1"/>
               <a:t>need</a:t>
             </a:r>
             <a:r>
@@ -16129,7 +16566,7 @@
               <a:t> a </a:t>
             </a:r>
             <a:r>
-              <a:rPr lang="nl-BE" sz="2000" i="1" u="sng" err="1"/>
+              <a:rPr lang="nl-BE" sz="2000" i="1" u="sng" dirty="0" err="1"/>
               <a:t>key-value</a:t>
             </a:r>
             <a:r>
@@ -16137,7 +16574,7 @@
               <a:t> </a:t>
             </a:r>
             <a:r>
-              <a:rPr lang="nl-BE" sz="2000" i="1" u="sng" err="1"/>
+              <a:rPr lang="nl-BE" sz="2000" i="1" u="sng" dirty="0" err="1"/>
               <a:t>relationship</a:t>
             </a:r>
             <a:r>
@@ -16155,7 +16592,7 @@
               <a:t>The </a:t>
             </a:r>
             <a:r>
-              <a:rPr lang="nl-BE" sz="2000" err="1"/>
+              <a:rPr lang="nl-BE" sz="2000" dirty="0" err="1"/>
               <a:t>primary</a:t>
             </a:r>
             <a:r>
@@ -16163,7 +16600,7 @@
               <a:t> </a:t>
             </a:r>
             <a:r>
-              <a:rPr lang="nl-BE" sz="2000" err="1"/>
+              <a:rPr lang="nl-BE" sz="2000" dirty="0" err="1"/>
               <a:t>purpose</a:t>
             </a:r>
             <a:r>
@@ -16171,7 +16608,7 @@
               <a:t> of </a:t>
             </a:r>
             <a:r>
-              <a:rPr lang="nl-BE" sz="2000" err="1"/>
+              <a:rPr lang="nl-BE" sz="2000" dirty="0" err="1"/>
               <a:t>the</a:t>
             </a:r>
             <a:r>
@@ -16179,7 +16616,7 @@
               <a:t> data </a:t>
             </a:r>
             <a:r>
-              <a:rPr lang="nl-BE" sz="2000" err="1"/>
+              <a:rPr lang="nl-BE" sz="2000" dirty="0" err="1"/>
               <a:t>structure</a:t>
             </a:r>
             <a:r>
@@ -16187,7 +16624,7 @@
               <a:t> is </a:t>
             </a:r>
             <a:r>
-              <a:rPr lang="nl-BE" sz="2000" i="1" u="sng" err="1"/>
+              <a:rPr lang="nl-BE" sz="2000" i="1" u="sng" dirty="0" err="1"/>
               <a:t>looking</a:t>
             </a:r>
             <a:r>
@@ -16195,7 +16632,7 @@
               <a:t> up </a:t>
             </a:r>
             <a:r>
-              <a:rPr lang="nl-BE" sz="2000" i="1" u="sng" err="1"/>
+              <a:rPr lang="nl-BE" sz="2000" i="1" u="sng" dirty="0" err="1"/>
               <a:t>values</a:t>
             </a:r>
             <a:r>
@@ -16208,20 +16645,20 @@
             <a:pPr marL="0" indent="0">
               <a:buNone/>
             </a:pPr>
-            <a:endParaRPr lang="nl-BE" sz="2000"/>
+            <a:endParaRPr lang="nl-BE" sz="2000" dirty="0"/>
           </a:p>
           <a:p>
             <a:pPr marL="457200" lvl="1" indent="0">
               <a:buNone/>
             </a:pPr>
-            <a:endParaRPr lang="nl-BE"/>
+            <a:endParaRPr lang="nl-BE" dirty="0"/>
           </a:p>
           <a:p>
             <a:pPr lvl="1"/>
-            <a:endParaRPr lang="en-US"/>
-          </a:p>
-          <a:p>
-            <a:endParaRPr lang="en-US" sz="2400"/>
+            <a:endParaRPr lang="en-US" dirty="0"/>
+          </a:p>
+          <a:p>
+            <a:endParaRPr lang="en-US" sz="2400" dirty="0"/>
           </a:p>
         </p:txBody>
       </p:sp>
@@ -16235,6 +16672,11 @@
   <p:clrMapOvr>
     <a:masterClrMapping/>
   </p:clrMapOvr>
+  <p:extLst>
+    <p:ext uri="{6950BFC3-D8DA-4A85-94F7-54DA5524770B}">
+      <p188:commentRel xmlns:p188="http://schemas.microsoft.com/office/powerpoint/2018/8/main" r:id="rId3"/>
+    </p:ext>
+  </p:extLst>
 </p:sld>
 </file>
 
@@ -16510,6 +16952,11 @@
   <p:clrMapOvr>
     <a:masterClrMapping/>
   </p:clrMapOvr>
+  <p:extLst>
+    <p:ext uri="{6950BFC3-D8DA-4A85-94F7-54DA5524770B}">
+      <p188:commentRel xmlns:p188="http://schemas.microsoft.com/office/powerpoint/2018/8/main" r:id="rId3"/>
+    </p:ext>
+  </p:extLst>
 </p:sld>
 </file>
 
@@ -17104,7 +17551,7 @@
           </a:ln>
           <a:extLst>
             <a:ext uri="{C572A759-6A51-4108-AA02-DFA0A04FC94B}">
-              <ma14:wrappingTextBoxFlag xmlns:ma14="http://schemas.microsoft.com/office/mac/drawingml/2011/main" xmlns="" val="1"/>
+              <ma14:wrappingTextBoxFlag xmlns="" xmlns:ma14="http://schemas.microsoft.com/office/mac/drawingml/2011/main" val="1"/>
             </a:ext>
           </a:extLst>
         </p:spPr>
@@ -18242,7 +18689,7 @@
           </a:ln>
           <a:extLst>
             <a:ext uri="{C572A759-6A51-4108-AA02-DFA0A04FC94B}">
-              <ma14:wrappingTextBoxFlag xmlns:ma14="http://schemas.microsoft.com/office/mac/drawingml/2011/main" xmlns="" val="1"/>
+              <ma14:wrappingTextBoxFlag xmlns="" xmlns:ma14="http://schemas.microsoft.com/office/mac/drawingml/2011/main" val="1"/>
             </a:ext>
           </a:extLst>
         </p:spPr>
@@ -19600,7 +20047,7 @@
           </a:ln>
           <a:extLst>
             <a:ext uri="{C572A759-6A51-4108-AA02-DFA0A04FC94B}">
-              <ma14:wrappingTextBoxFlag xmlns:ma14="http://schemas.microsoft.com/office/mac/drawingml/2011/main" xmlns="" val="1"/>
+              <ma14:wrappingTextBoxFlag xmlns="" xmlns:ma14="http://schemas.microsoft.com/office/mac/drawingml/2011/main" val="1"/>
             </a:ext>
           </a:extLst>
         </p:spPr>
@@ -20208,6 +20655,11 @@
   <p:clrMapOvr>
     <a:masterClrMapping/>
   </p:clrMapOvr>
+  <p:extLst>
+    <p:ext uri="{6950BFC3-D8DA-4A85-94F7-54DA5524770B}">
+      <p188:commentRel xmlns:p188="http://schemas.microsoft.com/office/powerpoint/2018/8/main" r:id="rId3"/>
+    </p:ext>
+  </p:extLst>
 </p:sld>
 </file>
 
@@ -20768,7 +21220,7 @@
           </a:ln>
           <a:extLst>
             <a:ext uri="{C572A759-6A51-4108-AA02-DFA0A04FC94B}">
-              <ma14:wrappingTextBoxFlag xmlns:ma14="http://schemas.microsoft.com/office/mac/drawingml/2011/main" xmlns="" val="1"/>
+              <ma14:wrappingTextBoxFlag xmlns="" xmlns:ma14="http://schemas.microsoft.com/office/mac/drawingml/2011/main" val="1"/>
             </a:ext>
           </a:extLst>
         </p:spPr>
@@ -21464,7 +21916,7 @@
           </a:ln>
           <a:extLst>
             <a:ext uri="{C572A759-6A51-4108-AA02-DFA0A04FC94B}">
-              <ma14:wrappingTextBoxFlag xmlns:ma14="http://schemas.microsoft.com/office/mac/drawingml/2011/main" xmlns="" val="1"/>
+              <ma14:wrappingTextBoxFlag xmlns="" xmlns:ma14="http://schemas.microsoft.com/office/mac/drawingml/2011/main" val="1"/>
             </a:ext>
           </a:extLst>
         </p:spPr>
@@ -21818,6 +22270,11 @@
   <p:clrMapOvr>
     <a:masterClrMapping/>
   </p:clrMapOvr>
+  <p:extLst>
+    <p:ext uri="{6950BFC3-D8DA-4A85-94F7-54DA5524770B}">
+      <p188:commentRel xmlns:p188="http://schemas.microsoft.com/office/powerpoint/2018/8/main" r:id="rId3"/>
+    </p:ext>
+  </p:extLst>
 </p:sld>
 </file>
 
@@ -22103,6 +22560,11 @@
   <p:clrMapOvr>
     <a:masterClrMapping/>
   </p:clrMapOvr>
+  <p:extLst>
+    <p:ext uri="{6950BFC3-D8DA-4A85-94F7-54DA5524770B}">
+      <p188:commentRel xmlns:p188="http://schemas.microsoft.com/office/powerpoint/2018/8/main" r:id="rId2"/>
+    </p:ext>
+  </p:extLst>
 </p:sld>
 </file>
 
@@ -22632,7 +23094,7 @@
           </a:ln>
           <a:extLst>
             <a:ext uri="{C572A759-6A51-4108-AA02-DFA0A04FC94B}">
-              <ma14:wrappingTextBoxFlag xmlns:ma14="http://schemas.microsoft.com/office/mac/drawingml/2011/main" xmlns="" val="1"/>
+              <ma14:wrappingTextBoxFlag xmlns="" xmlns:ma14="http://schemas.microsoft.com/office/mac/drawingml/2011/main" val="1"/>
             </a:ext>
           </a:extLst>
         </p:spPr>
@@ -24831,7 +25293,7 @@
           </a:ln>
           <a:extLst>
             <a:ext uri="{C572A759-6A51-4108-AA02-DFA0A04FC94B}">
-              <ma14:wrappingTextBoxFlag xmlns:ma14="http://schemas.microsoft.com/office/mac/drawingml/2011/main" xmlns="" val="1"/>
+              <ma14:wrappingTextBoxFlag xmlns="" xmlns:ma14="http://schemas.microsoft.com/office/mac/drawingml/2011/main" val="1"/>
             </a:ext>
           </a:extLst>
         </p:spPr>
@@ -25600,6 +26062,11 @@
   <p:clrMapOvr>
     <a:masterClrMapping/>
   </p:clrMapOvr>
+  <p:extLst>
+    <p:ext uri="{6950BFC3-D8DA-4A85-94F7-54DA5524770B}">
+      <p188:commentRel xmlns:p188="http://schemas.microsoft.com/office/powerpoint/2018/8/main" r:id="rId3"/>
+    </p:ext>
+  </p:extLst>
 </p:sld>
 </file>
 
@@ -26091,7 +26558,7 @@
           </a:ln>
           <a:extLst>
             <a:ext uri="{C572A759-6A51-4108-AA02-DFA0A04FC94B}">
-              <ma14:wrappingTextBoxFlag xmlns:ma14="http://schemas.microsoft.com/office/mac/drawingml/2011/main" xmlns="" val="1"/>
+              <ma14:wrappingTextBoxFlag xmlns="" xmlns:ma14="http://schemas.microsoft.com/office/mac/drawingml/2011/main" val="1"/>
             </a:ext>
           </a:extLst>
         </p:spPr>
@@ -27903,7 +28370,7 @@
           </a:ln>
           <a:extLst>
             <a:ext uri="{C572A759-6A51-4108-AA02-DFA0A04FC94B}">
-              <ma14:wrappingTextBoxFlag xmlns:ma14="http://schemas.microsoft.com/office/mac/drawingml/2011/main" xmlns="" val="1"/>
+              <ma14:wrappingTextBoxFlag xmlns="" xmlns:ma14="http://schemas.microsoft.com/office/mac/drawingml/2011/main" val="1"/>
             </a:ext>
           </a:extLst>
         </p:spPr>
@@ -28857,7 +29324,7 @@
           </a:ln>
           <a:extLst>
             <a:ext uri="{C572A759-6A51-4108-AA02-DFA0A04FC94B}">
-              <ma14:wrappingTextBoxFlag xmlns:ma14="http://schemas.microsoft.com/office/mac/drawingml/2011/main" xmlns="" val="1"/>
+              <ma14:wrappingTextBoxFlag xmlns="" xmlns:ma14="http://schemas.microsoft.com/office/mac/drawingml/2011/main" val="1"/>
             </a:ext>
           </a:extLst>
         </p:spPr>
@@ -29368,7 +29835,7 @@
           </a:ln>
           <a:extLst>
             <a:ext uri="{C572A759-6A51-4108-AA02-DFA0A04FC94B}">
-              <ma14:wrappingTextBoxFlag xmlns:ma14="http://schemas.microsoft.com/office/mac/drawingml/2011/main" xmlns="" val="1"/>
+              <ma14:wrappingTextBoxFlag xmlns="" xmlns:ma14="http://schemas.microsoft.com/office/mac/drawingml/2011/main" val="1"/>
             </a:ext>
           </a:extLst>
         </p:spPr>
@@ -30292,7 +30759,7 @@
           </a:ln>
           <a:extLst>
             <a:ext uri="{C572A759-6A51-4108-AA02-DFA0A04FC94B}">
-              <ma14:wrappingTextBoxFlag xmlns:ma14="http://schemas.microsoft.com/office/mac/drawingml/2011/main" xmlns="" val="1"/>
+              <ma14:wrappingTextBoxFlag xmlns="" xmlns:ma14="http://schemas.microsoft.com/office/mac/drawingml/2011/main" val="1"/>
             </a:ext>
           </a:extLst>
         </p:spPr>
@@ -30728,7 +31195,7 @@
           </a:ln>
           <a:extLst>
             <a:ext uri="{C572A759-6A51-4108-AA02-DFA0A04FC94B}">
-              <ma14:wrappingTextBoxFlag xmlns:ma14="http://schemas.microsoft.com/office/mac/drawingml/2011/main" xmlns="" val="1"/>
+              <ma14:wrappingTextBoxFlag xmlns="" xmlns:ma14="http://schemas.microsoft.com/office/mac/drawingml/2011/main" val="1"/>
             </a:ext>
           </a:extLst>
         </p:spPr>
@@ -31220,7 +31687,7 @@
           </a:ln>
           <a:extLst>
             <a:ext uri="{C572A759-6A51-4108-AA02-DFA0A04FC94B}">
-              <ma14:wrappingTextBoxFlag xmlns:ma14="http://schemas.microsoft.com/office/mac/drawingml/2011/main" xmlns="" val="1"/>
+              <ma14:wrappingTextBoxFlag xmlns="" xmlns:ma14="http://schemas.microsoft.com/office/mac/drawingml/2011/main" val="1"/>
             </a:ext>
           </a:extLst>
         </p:spPr>
@@ -32712,6 +33179,11 @@
   <p:clrMapOvr>
     <a:masterClrMapping/>
   </p:clrMapOvr>
+  <p:extLst>
+    <p:ext uri="{6950BFC3-D8DA-4A85-94F7-54DA5524770B}">
+      <p188:commentRel xmlns:p188="http://schemas.microsoft.com/office/powerpoint/2018/8/main" r:id="rId2"/>
+    </p:ext>
+  </p:extLst>
 </p:sld>
 </file>
 
@@ -33197,7 +33669,7 @@
           </a:ln>
           <a:extLst>
             <a:ext uri="{C572A759-6A51-4108-AA02-DFA0A04FC94B}">
-              <ma14:wrappingTextBoxFlag xmlns:ma14="http://schemas.microsoft.com/office/mac/drawingml/2011/main" xmlns="" val="1"/>
+              <ma14:wrappingTextBoxFlag xmlns="" xmlns:ma14="http://schemas.microsoft.com/office/mac/drawingml/2011/main" val="1"/>
             </a:ext>
           </a:extLst>
         </p:spPr>
@@ -33820,7 +34292,7 @@
           </a:ln>
           <a:extLst>
             <a:ext uri="{C572A759-6A51-4108-AA02-DFA0A04FC94B}">
-              <ma14:wrappingTextBoxFlag xmlns:ma14="http://schemas.microsoft.com/office/mac/drawingml/2011/main" xmlns="" val="1"/>
+              <ma14:wrappingTextBoxFlag xmlns="" xmlns:ma14="http://schemas.microsoft.com/office/mac/drawingml/2011/main" val="1"/>
             </a:ext>
           </a:extLst>
         </p:spPr>
@@ -34616,7 +35088,7 @@
           </a:ln>
           <a:extLst>
             <a:ext uri="{C572A759-6A51-4108-AA02-DFA0A04FC94B}">
-              <ma14:wrappingTextBoxFlag xmlns:ma14="http://schemas.microsoft.com/office/mac/drawingml/2011/main" xmlns="" val="1"/>
+              <ma14:wrappingTextBoxFlag xmlns="" xmlns:ma14="http://schemas.microsoft.com/office/mac/drawingml/2011/main" val="1"/>
             </a:ext>
           </a:extLst>
         </p:spPr>
@@ -35185,7 +35657,7 @@
           </a:ln>
           <a:extLst>
             <a:ext uri="{C572A759-6A51-4108-AA02-DFA0A04FC94B}">
-              <ma14:wrappingTextBoxFlag xmlns:ma14="http://schemas.microsoft.com/office/mac/drawingml/2011/main" xmlns="" val="1"/>
+              <ma14:wrappingTextBoxFlag xmlns="" xmlns:ma14="http://schemas.microsoft.com/office/mac/drawingml/2011/main" val="1"/>
             </a:ext>
           </a:extLst>
         </p:spPr>
@@ -36584,7 +37056,7 @@
           </a:ln>
           <a:extLst>
             <a:ext uri="{C572A759-6A51-4108-AA02-DFA0A04FC94B}">
-              <ma14:wrappingTextBoxFlag xmlns:ma14="http://schemas.microsoft.com/office/mac/drawingml/2011/main" xmlns="" val="1"/>
+              <ma14:wrappingTextBoxFlag xmlns="" xmlns:ma14="http://schemas.microsoft.com/office/mac/drawingml/2011/main" val="1"/>
             </a:ext>
           </a:extLst>
         </p:spPr>
@@ -37892,7 +38364,7 @@
           </a:ln>
           <a:extLst>
             <a:ext uri="{C572A759-6A51-4108-AA02-DFA0A04FC94B}">
-              <ma14:wrappingTextBoxFlag xmlns:ma14="http://schemas.microsoft.com/office/mac/drawingml/2011/main" xmlns="" val="1"/>
+              <ma14:wrappingTextBoxFlag xmlns="" xmlns:ma14="http://schemas.microsoft.com/office/mac/drawingml/2011/main" val="1"/>
             </a:ext>
           </a:extLst>
         </p:spPr>
@@ -39139,7 +39611,7 @@
           </a:ln>
           <a:extLst>
             <a:ext uri="{C572A759-6A51-4108-AA02-DFA0A04FC94B}">
-              <ma14:wrappingTextBoxFlag xmlns:ma14="http://schemas.microsoft.com/office/mac/drawingml/2011/main" xmlns="" val="1"/>
+              <ma14:wrappingTextBoxFlag xmlns="" xmlns:ma14="http://schemas.microsoft.com/office/mac/drawingml/2011/main" val="1"/>
             </a:ext>
           </a:extLst>
         </p:spPr>
@@ -39828,7 +40300,7 @@
           </a:ln>
           <a:extLst>
             <a:ext uri="{C572A759-6A51-4108-AA02-DFA0A04FC94B}">
-              <ma14:wrappingTextBoxFlag xmlns:ma14="http://schemas.microsoft.com/office/mac/drawingml/2011/main" xmlns="" val="1"/>
+              <ma14:wrappingTextBoxFlag xmlns="" xmlns:ma14="http://schemas.microsoft.com/office/mac/drawingml/2011/main" val="1"/>
             </a:ext>
           </a:extLst>
         </p:spPr>
@@ -41044,7 +41516,7 @@
           </a:ln>
           <a:extLst>
             <a:ext uri="{C572A759-6A51-4108-AA02-DFA0A04FC94B}">
-              <ma14:wrappingTextBoxFlag xmlns:ma14="http://schemas.microsoft.com/office/mac/drawingml/2011/main" xmlns="" val="1"/>
+              <ma14:wrappingTextBoxFlag xmlns="" xmlns:ma14="http://schemas.microsoft.com/office/mac/drawingml/2011/main" val="1"/>
             </a:ext>
           </a:extLst>
         </p:spPr>
@@ -42202,7 +42674,7 @@
           </a:ln>
           <a:extLst>
             <a:ext uri="{C572A759-6A51-4108-AA02-DFA0A04FC94B}">
-              <ma14:wrappingTextBoxFlag xmlns:ma14="http://schemas.microsoft.com/office/mac/drawingml/2011/main" xmlns="" val="1"/>
+              <ma14:wrappingTextBoxFlag xmlns="" xmlns:ma14="http://schemas.microsoft.com/office/mac/drawingml/2011/main" val="1"/>
             </a:ext>
           </a:extLst>
         </p:spPr>
@@ -42845,7 +43317,7 @@
           </a:ln>
           <a:extLst>
             <a:ext uri="{C572A759-6A51-4108-AA02-DFA0A04FC94B}">
-              <ma14:wrappingTextBoxFlag xmlns:ma14="http://schemas.microsoft.com/office/mac/drawingml/2011/main" xmlns="" val="1"/>
+              <ma14:wrappingTextBoxFlag xmlns="" xmlns:ma14="http://schemas.microsoft.com/office/mac/drawingml/2011/main" val="1"/>
             </a:ext>
           </a:extLst>
         </p:spPr>
@@ -45160,7 +45632,7 @@
               <a:buNone/>
             </a:pPr>
             <a:r>
-              <a:rPr lang="en-US" b="0" i="0">
+              <a:rPr lang="en-US" b="0" i="0" dirty="0">
                 <a:solidFill>
                   <a:srgbClr val="222222"/>
                 </a:solidFill>
@@ -45169,7 +45641,7 @@
               </a:rPr>
               <a:t>A data structure models a collection of data, such as a list of number, a row in a spreadsheet, or a record in a database. Modeling the data that your program interacts with using the right data structure is often the key to writing simple and effective code</a:t>
             </a:r>
-            <a:endParaRPr lang="en-US"/>
+            <a:endParaRPr lang="en-US" dirty="0"/>
           </a:p>
         </p:txBody>
       </p:sp>
@@ -45188,7 +45660,7 @@
           <p:nvPr/>
         </p:nvPicPr>
         <p:blipFill>
-          <a:blip r:embed="rId3">
+          <a:blip r:embed="rId4">
             <a:extLst>
               <a:ext uri="{28A0092B-C50C-407E-A947-70E740481C1C}">
                 <a14:useLocalDpi xmlns:a14="http://schemas.microsoft.com/office/drawing/2010/main" val="0"/>
@@ -45230,6 +45702,11 @@
   <p:clrMapOvr>
     <a:masterClrMapping/>
   </p:clrMapOvr>
+  <p:extLst>
+    <p:ext uri="{6950BFC3-D8DA-4A85-94F7-54DA5524770B}">
+      <p188:commentRel xmlns:p188="http://schemas.microsoft.com/office/powerpoint/2018/8/main" r:id="rId3"/>
+    </p:ext>
+  </p:extLst>
 </p:sld>
 </file>
 
@@ -45584,7 +46061,7 @@
           </a:ln>
           <a:extLst>
             <a:ext uri="{C572A759-6A51-4108-AA02-DFA0A04FC94B}">
-              <ma14:wrappingTextBoxFlag xmlns:ma14="http://schemas.microsoft.com/office/mac/drawingml/2011/main" xmlns="" val="1"/>
+              <ma14:wrappingTextBoxFlag xmlns="" xmlns:ma14="http://schemas.microsoft.com/office/mac/drawingml/2011/main" val="1"/>
             </a:ext>
           </a:extLst>
         </p:spPr>
@@ -46409,7 +46886,7 @@
               <a:buNone/>
             </a:pPr>
             <a:r>
-              <a:rPr lang="en-US" b="0" i="0">
+              <a:rPr lang="en-US" b="0" i="0" dirty="0">
                 <a:solidFill>
                   <a:srgbClr val="222222"/>
                 </a:solidFill>
@@ -46423,7 +46900,7 @@
             <a:pPr marL="0" indent="0">
               <a:buNone/>
             </a:pPr>
-            <a:endParaRPr lang="en-US" b="0" i="0">
+            <a:endParaRPr lang="en-US" b="0" i="0" dirty="0">
               <a:solidFill>
                 <a:srgbClr val="222222"/>
               </a:solidFill>
@@ -46463,7 +46940,7 @@
           </a:ln>
           <a:extLst>
             <a:ext uri="{C572A759-6A51-4108-AA02-DFA0A04FC94B}">
-              <ma14:wrappingTextBoxFlag xmlns:ma14="http://schemas.microsoft.com/office/mac/drawingml/2011/main" xmlns="" val="1"/>
+              <ma14:wrappingTextBoxFlag xmlns="" xmlns:ma14="http://schemas.microsoft.com/office/mac/drawingml/2011/main" val="1"/>
             </a:ext>
           </a:extLst>
         </p:spPr>
@@ -46749,7 +47226,7 @@
               <a:buNone/>
             </a:pPr>
             <a:r>
-              <a:rPr lang="en-US" sz="1600" err="1">
+              <a:rPr lang="en-US" sz="1600" dirty="0" err="1">
                 <a:solidFill>
                   <a:schemeClr val="tx1"/>
                 </a:solidFill>
@@ -46758,7 +47235,7 @@
               <a:t>dict_states</a:t>
             </a:r>
             <a:r>
-              <a:rPr lang="en-US" sz="1600">
+              <a:rPr lang="en-US" sz="1600" dirty="0">
                 <a:solidFill>
                   <a:schemeClr val="tx1"/>
                 </a:solidFill>
@@ -46767,7 +47244,7 @@
               <a:t> = </a:t>
             </a:r>
             <a:r>
-              <a:rPr lang="en-US" sz="1600">
+              <a:rPr lang="en-US" sz="1600" dirty="0">
                 <a:solidFill>
                   <a:schemeClr val="accent1"/>
                 </a:solidFill>
@@ -46781,7 +47258,7 @@
               <a:buNone/>
             </a:pPr>
             <a:r>
-              <a:rPr lang="en-US" sz="1600">
+              <a:rPr lang="en-US" sz="1600" dirty="0">
                 <a:solidFill>
                   <a:schemeClr val="tx1"/>
                 </a:solidFill>
@@ -46790,7 +47267,7 @@
               <a:t>    '</a:t>
             </a:r>
             <a:r>
-              <a:rPr lang="en-US" sz="1600">
+              <a:rPr lang="en-US" sz="1600" dirty="0">
                 <a:solidFill>
                   <a:schemeClr val="accent2"/>
                 </a:solidFill>
@@ -46799,7 +47276,7 @@
               <a:t>California</a:t>
             </a:r>
             <a:r>
-              <a:rPr lang="en-US" sz="1600">
+              <a:rPr lang="en-US" sz="1600" dirty="0">
                 <a:solidFill>
                   <a:schemeClr val="tx1"/>
                 </a:solidFill>
@@ -46808,7 +47285,7 @@
               <a:t>': '</a:t>
             </a:r>
             <a:r>
-              <a:rPr lang="en-US" sz="1600">
+              <a:rPr lang="en-US" sz="1600" dirty="0">
                 <a:solidFill>
                   <a:schemeClr val="accent2"/>
                 </a:solidFill>
@@ -46817,7 +47294,7 @@
               <a:t>Sacramento</a:t>
             </a:r>
             <a:r>
-              <a:rPr lang="en-US" sz="1600">
+              <a:rPr lang="en-US" sz="1600" dirty="0">
                 <a:solidFill>
                   <a:schemeClr val="tx1"/>
                 </a:solidFill>
@@ -46831,7 +47308,7 @@
               <a:buNone/>
             </a:pPr>
             <a:r>
-              <a:rPr lang="en-US" sz="1600">
+              <a:rPr lang="en-US" sz="1600" dirty="0">
                 <a:solidFill>
                   <a:schemeClr val="tx1"/>
                 </a:solidFill>
@@ -46840,7 +47317,7 @@
               <a:t>    '</a:t>
             </a:r>
             <a:r>
-              <a:rPr lang="en-US" sz="1600">
+              <a:rPr lang="en-US" sz="1600" dirty="0">
                 <a:solidFill>
                   <a:schemeClr val="accent2"/>
                 </a:solidFill>
@@ -46849,7 +47326,7 @@
               <a:t>New York</a:t>
             </a:r>
             <a:r>
-              <a:rPr lang="en-US" sz="1600">
+              <a:rPr lang="en-US" sz="1600" dirty="0">
                 <a:solidFill>
                   <a:schemeClr val="tx1"/>
                 </a:solidFill>
@@ -46858,7 +47335,7 @@
               <a:t>': '</a:t>
             </a:r>
             <a:r>
-              <a:rPr lang="en-US" sz="1600">
+              <a:rPr lang="en-US" sz="1600" dirty="0">
                 <a:solidFill>
                   <a:schemeClr val="accent2"/>
                 </a:solidFill>
@@ -46867,7 +47344,7 @@
               <a:t>Albany</a:t>
             </a:r>
             <a:r>
-              <a:rPr lang="en-US" sz="1600">
+              <a:rPr lang="en-US" sz="1600" dirty="0">
                 <a:solidFill>
                   <a:schemeClr val="tx1"/>
                 </a:solidFill>
@@ -46881,7 +47358,7 @@
               <a:buNone/>
             </a:pPr>
             <a:r>
-              <a:rPr lang="en-US" sz="1600">
+              <a:rPr lang="en-US" sz="1600" dirty="0">
                 <a:solidFill>
                   <a:schemeClr val="tx1"/>
                 </a:solidFill>
@@ -46890,7 +47367,7 @@
               <a:t>    '</a:t>
             </a:r>
             <a:r>
-              <a:rPr lang="en-US" sz="1600">
+              <a:rPr lang="en-US" sz="1600" dirty="0">
                 <a:solidFill>
                   <a:schemeClr val="accent2"/>
                 </a:solidFill>
@@ -46899,7 +47376,7 @@
               <a:t>Texas</a:t>
             </a:r>
             <a:r>
-              <a:rPr lang="en-US" sz="1600">
+              <a:rPr lang="en-US" sz="1600" dirty="0">
                 <a:solidFill>
                   <a:schemeClr val="tx1"/>
                 </a:solidFill>
@@ -46908,7 +47385,7 @@
               <a:t>': '</a:t>
             </a:r>
             <a:r>
-              <a:rPr lang="en-US" sz="1600">
+              <a:rPr lang="en-US" sz="1600" dirty="0">
                 <a:solidFill>
                   <a:schemeClr val="accent2"/>
                 </a:solidFill>
@@ -46917,7 +47394,7 @@
               <a:t>Austin</a:t>
             </a:r>
             <a:r>
-              <a:rPr lang="en-US" sz="1600">
+              <a:rPr lang="en-US" sz="1600" dirty="0">
                 <a:solidFill>
                   <a:schemeClr val="tx1"/>
                 </a:solidFill>
@@ -46931,7 +47408,7 @@
               <a:buNone/>
             </a:pPr>
             <a:r>
-              <a:rPr lang="en-US" sz="1600">
+              <a:rPr lang="en-US" sz="1600" dirty="0">
                 <a:solidFill>
                   <a:schemeClr val="accent1"/>
                 </a:solidFill>
@@ -46944,7 +47421,7 @@
             <a:pPr marL="0" indent="0" hangingPunct="1">
               <a:buNone/>
             </a:pPr>
-            <a:endParaRPr lang="en-US" sz="1600">
+            <a:endParaRPr lang="en-US" sz="1600" dirty="0">
               <a:solidFill>
                 <a:schemeClr val="accent1"/>
               </a:solidFill>
@@ -47313,6 +47790,11 @@
   <p:clrMapOvr>
     <a:masterClrMapping/>
   </p:clrMapOvr>
+  <p:extLst>
+    <p:ext uri="{6950BFC3-D8DA-4A85-94F7-54DA5524770B}">
+      <p188:commentRel xmlns:p188="http://schemas.microsoft.com/office/powerpoint/2018/8/main" r:id="rId3"/>
+    </p:ext>
+  </p:extLst>
 </p:sld>
 </file>
 
@@ -47606,7 +48088,7 @@
           </a:ln>
           <a:extLst>
             <a:ext uri="{C572A759-6A51-4108-AA02-DFA0A04FC94B}">
-              <ma14:wrappingTextBoxFlag xmlns:ma14="http://schemas.microsoft.com/office/mac/drawingml/2011/main" xmlns="" val="1"/>
+              <ma14:wrappingTextBoxFlag xmlns="" xmlns:ma14="http://schemas.microsoft.com/office/mac/drawingml/2011/main" val="1"/>
             </a:ext>
           </a:extLst>
         </p:spPr>
@@ -48420,7 +48902,7 @@
           </a:ln>
           <a:extLst>
             <a:ext uri="{C572A759-6A51-4108-AA02-DFA0A04FC94B}">
-              <ma14:wrappingTextBoxFlag xmlns:ma14="http://schemas.microsoft.com/office/mac/drawingml/2011/main" xmlns="" val="1"/>
+              <ma14:wrappingTextBoxFlag xmlns="" xmlns:ma14="http://schemas.microsoft.com/office/mac/drawingml/2011/main" val="1"/>
             </a:ext>
           </a:extLst>
         </p:spPr>
@@ -48769,7 +49251,7 @@
           </a:ln>
           <a:extLst>
             <a:ext uri="{C572A759-6A51-4108-AA02-DFA0A04FC94B}">
-              <ma14:wrappingTextBoxFlag xmlns:ma14="http://schemas.microsoft.com/office/mac/drawingml/2011/main" xmlns="" val="1"/>
+              <ma14:wrappingTextBoxFlag xmlns="" xmlns:ma14="http://schemas.microsoft.com/office/mac/drawingml/2011/main" val="1"/>
             </a:ext>
           </a:extLst>
         </p:spPr>
@@ -49459,7 +49941,7 @@
           </a:ln>
           <a:extLst>
             <a:ext uri="{C572A759-6A51-4108-AA02-DFA0A04FC94B}">
-              <ma14:wrappingTextBoxFlag xmlns:ma14="http://schemas.microsoft.com/office/mac/drawingml/2011/main" xmlns="" val="1"/>
+              <ma14:wrappingTextBoxFlag xmlns="" xmlns:ma14="http://schemas.microsoft.com/office/mac/drawingml/2011/main" val="1"/>
             </a:ext>
           </a:extLst>
         </p:spPr>
@@ -50381,15 +50863,6 @@
 </file>
 
 <file path=customXml/item1.xml><?xml version="1.0" encoding="utf-8"?>
-<?mso-contentType ?>
-<FormTemplates xmlns="http://schemas.microsoft.com/sharepoint/v3/contenttype/forms">
-  <Display>DocumentLibraryForm</Display>
-  <Edit>DocumentLibraryForm</Edit>
-  <New>DocumentLibraryForm</New>
-</FormTemplates>
-</file>
-
-<file path=customXml/item2.xml><?xml version="1.0" encoding="utf-8"?>
 <ct:contentTypeSchema xmlns:ct="http://schemas.microsoft.com/office/2006/metadata/contentType" xmlns:ma="http://schemas.microsoft.com/office/2006/metadata/properties/metaAttributes" ct:_="" ma:_="" ma:contentTypeName="Document" ma:contentTypeID="0x010100F1325F46957A7D4694A8ACC888AA2621" ma:contentTypeVersion="7" ma:contentTypeDescription="Een nieuw document maken." ma:contentTypeScope="" ma:versionID="14c5700b56297cf9c66eff42b9f64bd4">
   <xsd:schema xmlns:xsd="http://www.w3.org/2001/XMLSchema" xmlns:xs="http://www.w3.org/2001/XMLSchema" xmlns:p="http://schemas.microsoft.com/office/2006/metadata/properties" xmlns:ns2="9b614674-bb2d-4c45-94ea-39f42762d3ae" targetNamespace="http://schemas.microsoft.com/office/2006/metadata/properties" ma:root="true" ma:fieldsID="4e421ba7028bb8b9c0acf45abfb7d816" ns2:_="">
     <xsd:import namespace="9b614674-bb2d-4c45-94ea-39f42762d3ae"/>
@@ -50549,6 +51022,15 @@
 </ct:contentTypeSchema>
 </file>
 
+<file path=customXml/item2.xml><?xml version="1.0" encoding="utf-8"?>
+<?mso-contentType ?>
+<FormTemplates xmlns="http://schemas.microsoft.com/sharepoint/v3/contenttype/forms">
+  <Display>DocumentLibraryForm</Display>
+  <Edit>DocumentLibraryForm</Edit>
+  <New>DocumentLibraryForm</New>
+</FormTemplates>
+</file>
+
 <file path=customXml/item3.xml><?xml version="1.0" encoding="utf-8"?>
 <p:properties xmlns:p="http://schemas.microsoft.com/office/2006/metadata/properties" xmlns:xsi="http://www.w3.org/2001/XMLSchema-instance" xmlns:pc="http://schemas.microsoft.com/office/infopath/2007/PartnerControls">
   <documentManagement>
@@ -50560,14 +51042,6 @@
 </file>
 
 <file path=customXml/itemProps1.xml><?xml version="1.0" encoding="utf-8"?>
-<ds:datastoreItem xmlns:ds="http://schemas.openxmlformats.org/officeDocument/2006/customXml" ds:itemID="{126BFA21-774C-45F5-BE3E-541B29302740}">
-  <ds:schemaRefs>
-    <ds:schemaRef ds:uri="http://schemas.microsoft.com/sharepoint/v3/contenttype/forms"/>
-  </ds:schemaRefs>
-</ds:datastoreItem>
-</file>
-
-<file path=customXml/itemProps2.xml><?xml version="1.0" encoding="utf-8"?>
 <ds:datastoreItem xmlns:ds="http://schemas.openxmlformats.org/officeDocument/2006/customXml" ds:itemID="{91A37897-CF46-4B8E-B11C-A11B11EC42BB}">
   <ds:schemaRefs>
     <ds:schemaRef ds:uri="http://schemas.microsoft.com/office/2006/metadata/contentType"/>
@@ -50585,6 +51059,14 @@
 </ds:datastoreItem>
 </file>
 
+<file path=customXml/itemProps2.xml><?xml version="1.0" encoding="utf-8"?>
+<ds:datastoreItem xmlns:ds="http://schemas.openxmlformats.org/officeDocument/2006/customXml" ds:itemID="{126BFA21-774C-45F5-BE3E-541B29302740}">
+  <ds:schemaRefs>
+    <ds:schemaRef ds:uri="http://schemas.microsoft.com/sharepoint/v3/contenttype/forms"/>
+  </ds:schemaRefs>
+</ds:datastoreItem>
+</file>
+
 <file path=customXml/itemProps3.xml><?xml version="1.0" encoding="utf-8"?>
 <ds:datastoreItem xmlns:ds="http://schemas.openxmlformats.org/officeDocument/2006/customXml" ds:itemID="{4B4D6183-A0C2-41B9-BD62-0CD29AC5B1EF}">
   <ds:schemaRefs>
